--- a/Monograph/卒論資料PP/識別できない故障リンクの例.pptx
+++ b/Monograph/卒論資料PP/識別できない故障リンクの例.pptx
@@ -243,7 +243,7 @@
           <a:p>
             <a:fld id="{938DE665-B746-6048-8ED3-9A599DC2F1B1}" type="datetimeFigureOut">
               <a:rPr kumimoji="1" lang="ja-JP" altLang="en-US" smtClean="0"/>
-              <a:t>2016/2/9</a:t>
+              <a:t>2016/2/14</a:t>
             </a:fld>
             <a:endParaRPr kumimoji="1" lang="ja-JP" altLang="en-US"/>
           </a:p>
@@ -445,7 +445,7 @@
           <a:p>
             <a:fld id="{938DE665-B746-6048-8ED3-9A599DC2F1B1}" type="datetimeFigureOut">
               <a:rPr kumimoji="1" lang="ja-JP" altLang="en-US" smtClean="0"/>
-              <a:t>2016/2/9</a:t>
+              <a:t>2016/2/14</a:t>
             </a:fld>
             <a:endParaRPr kumimoji="1" lang="ja-JP" altLang="en-US"/>
           </a:p>
@@ -657,7 +657,7 @@
           <a:p>
             <a:fld id="{938DE665-B746-6048-8ED3-9A599DC2F1B1}" type="datetimeFigureOut">
               <a:rPr kumimoji="1" lang="ja-JP" altLang="en-US" smtClean="0"/>
-              <a:t>2016/2/9</a:t>
+              <a:t>2016/2/14</a:t>
             </a:fld>
             <a:endParaRPr kumimoji="1" lang="ja-JP" altLang="en-US"/>
           </a:p>
@@ -859,7 +859,7 @@
           <a:p>
             <a:fld id="{938DE665-B746-6048-8ED3-9A599DC2F1B1}" type="datetimeFigureOut">
               <a:rPr kumimoji="1" lang="ja-JP" altLang="en-US" smtClean="0"/>
-              <a:t>2016/2/9</a:t>
+              <a:t>2016/2/14</a:t>
             </a:fld>
             <a:endParaRPr kumimoji="1" lang="ja-JP" altLang="en-US"/>
           </a:p>
@@ -1105,7 +1105,7 @@
           <a:p>
             <a:fld id="{938DE665-B746-6048-8ED3-9A599DC2F1B1}" type="datetimeFigureOut">
               <a:rPr kumimoji="1" lang="ja-JP" altLang="en-US" smtClean="0"/>
-              <a:t>2016/2/9</a:t>
+              <a:t>2016/2/14</a:t>
             </a:fld>
             <a:endParaRPr kumimoji="1" lang="ja-JP" altLang="en-US"/>
           </a:p>
@@ -1401,7 +1401,7 @@
           <a:p>
             <a:fld id="{938DE665-B746-6048-8ED3-9A599DC2F1B1}" type="datetimeFigureOut">
               <a:rPr kumimoji="1" lang="ja-JP" altLang="en-US" smtClean="0"/>
-              <a:t>2016/2/9</a:t>
+              <a:t>2016/2/14</a:t>
             </a:fld>
             <a:endParaRPr kumimoji="1" lang="ja-JP" altLang="en-US"/>
           </a:p>
@@ -1832,7 +1832,7 @@
           <a:p>
             <a:fld id="{938DE665-B746-6048-8ED3-9A599DC2F1B1}" type="datetimeFigureOut">
               <a:rPr kumimoji="1" lang="ja-JP" altLang="en-US" smtClean="0"/>
-              <a:t>2016/2/9</a:t>
+              <a:t>2016/2/14</a:t>
             </a:fld>
             <a:endParaRPr kumimoji="1" lang="ja-JP" altLang="en-US"/>
           </a:p>
@@ -1950,7 +1950,7 @@
           <a:p>
             <a:fld id="{938DE665-B746-6048-8ED3-9A599DC2F1B1}" type="datetimeFigureOut">
               <a:rPr kumimoji="1" lang="ja-JP" altLang="en-US" smtClean="0"/>
-              <a:t>2016/2/9</a:t>
+              <a:t>2016/2/14</a:t>
             </a:fld>
             <a:endParaRPr kumimoji="1" lang="ja-JP" altLang="en-US"/>
           </a:p>
@@ -2045,7 +2045,7 @@
           <a:p>
             <a:fld id="{938DE665-B746-6048-8ED3-9A599DC2F1B1}" type="datetimeFigureOut">
               <a:rPr kumimoji="1" lang="ja-JP" altLang="en-US" smtClean="0"/>
-              <a:t>2016/2/9</a:t>
+              <a:t>2016/2/14</a:t>
             </a:fld>
             <a:endParaRPr kumimoji="1" lang="ja-JP" altLang="en-US"/>
           </a:p>
@@ -2354,7 +2354,7 @@
           <a:p>
             <a:fld id="{938DE665-B746-6048-8ED3-9A599DC2F1B1}" type="datetimeFigureOut">
               <a:rPr kumimoji="1" lang="ja-JP" altLang="en-US" smtClean="0"/>
-              <a:t>2016/2/9</a:t>
+              <a:t>2016/2/14</a:t>
             </a:fld>
             <a:endParaRPr kumimoji="1" lang="ja-JP" altLang="en-US"/>
           </a:p>
@@ -2607,7 +2607,7 @@
           <a:p>
             <a:fld id="{938DE665-B746-6048-8ED3-9A599DC2F1B1}" type="datetimeFigureOut">
               <a:rPr kumimoji="1" lang="ja-JP" altLang="en-US" smtClean="0"/>
-              <a:t>2016/2/9</a:t>
+              <a:t>2016/2/14</a:t>
             </a:fld>
             <a:endParaRPr kumimoji="1" lang="ja-JP" altLang="en-US"/>
           </a:p>
@@ -2852,7 +2852,7 @@
           <a:p>
             <a:fld id="{938DE665-B746-6048-8ED3-9A599DC2F1B1}" type="datetimeFigureOut">
               <a:rPr kumimoji="1" lang="ja-JP" altLang="en-US" smtClean="0"/>
-              <a:t>2016/2/9</a:t>
+              <a:t>2016/2/14</a:t>
             </a:fld>
             <a:endParaRPr kumimoji="1" lang="ja-JP" altLang="en-US"/>
           </a:p>
@@ -3257,902 +3257,971 @@
           <a:chExt cx="0" cy="0"/>
         </a:xfrm>
       </p:grpSpPr>
-      <p:sp>
-        <p:nvSpPr>
-          <p:cNvPr id="4" name="円/楕円 3"/>
-          <p:cNvSpPr/>
+      <p:grpSp>
+        <p:nvGrpSpPr>
+          <p:cNvPr id="7" name="図形グループ 6"/>
+          <p:cNvGrpSpPr/>
           <p:nvPr/>
-        </p:nvSpPr>
-        <p:spPr>
+        </p:nvGrpSpPr>
+        <p:grpSpPr>
           <a:xfrm>
-            <a:off x="3287773" y="920186"/>
-            <a:ext cx="529535" cy="529535"/>
+            <a:off x="1841506" y="845540"/>
+            <a:ext cx="6568197" cy="3983142"/>
+            <a:chOff x="1841506" y="845540"/>
+            <a:chExt cx="6568197" cy="3983142"/>
           </a:xfrm>
-          <a:prstGeom prst="ellipse">
-            <a:avLst/>
-          </a:prstGeom>
-          <a:noFill/>
-          <a:ln w="19050">
-            <a:solidFill>
-              <a:schemeClr val="tx1"/>
-            </a:solidFill>
-          </a:ln>
-        </p:spPr>
-        <p:style>
-          <a:lnRef idx="2">
-            <a:schemeClr val="accent1">
-              <a:shade val="50000"/>
-            </a:schemeClr>
-          </a:lnRef>
-          <a:fillRef idx="1">
-            <a:schemeClr val="accent1"/>
-          </a:fillRef>
-          <a:effectRef idx="0">
-            <a:schemeClr val="accent1"/>
-          </a:effectRef>
-          <a:fontRef idx="minor">
-            <a:schemeClr val="lt1"/>
-          </a:fontRef>
-        </p:style>
-        <p:txBody>
-          <a:bodyPr rtlCol="0" anchor="ctr"/>
-          <a:lstStyle/>
-          <a:p>
-            <a:pPr algn="ctr"/>
-            <a:endParaRPr kumimoji="1" lang="ja-JP" altLang="en-US"/>
-          </a:p>
-        </p:txBody>
-      </p:sp>
-      <p:sp>
-        <p:nvSpPr>
-          <p:cNvPr id="5" name="円/楕円 4"/>
-          <p:cNvSpPr/>
-          <p:nvPr/>
-        </p:nvSpPr>
-        <p:spPr>
-          <a:xfrm>
-            <a:off x="3284836" y="2618998"/>
-            <a:ext cx="529535" cy="529535"/>
-          </a:xfrm>
-          <a:prstGeom prst="ellipse">
-            <a:avLst/>
-          </a:prstGeom>
-          <a:noFill/>
-          <a:ln w="19050">
-            <a:solidFill>
-              <a:schemeClr val="tx1"/>
-            </a:solidFill>
-          </a:ln>
-        </p:spPr>
-        <p:style>
-          <a:lnRef idx="2">
-            <a:schemeClr val="accent1">
-              <a:shade val="50000"/>
-            </a:schemeClr>
-          </a:lnRef>
-          <a:fillRef idx="1">
-            <a:schemeClr val="accent1"/>
-          </a:fillRef>
-          <a:effectRef idx="0">
-            <a:schemeClr val="accent1"/>
-          </a:effectRef>
-          <a:fontRef idx="minor">
-            <a:schemeClr val="lt1"/>
-          </a:fontRef>
-        </p:style>
-        <p:txBody>
-          <a:bodyPr rtlCol="0" anchor="ctr"/>
-          <a:lstStyle/>
-          <a:p>
-            <a:pPr algn="ctr"/>
-            <a:endParaRPr kumimoji="1" lang="ja-JP" altLang="en-US"/>
-          </a:p>
-        </p:txBody>
-      </p:sp>
-      <p:sp>
-        <p:nvSpPr>
-          <p:cNvPr id="6" name="円/楕円 5"/>
-          <p:cNvSpPr/>
-          <p:nvPr/>
-        </p:nvSpPr>
-        <p:spPr>
-          <a:xfrm>
-            <a:off x="2437674" y="4317809"/>
-            <a:ext cx="529535" cy="529535"/>
-          </a:xfrm>
-          <a:prstGeom prst="ellipse">
-            <a:avLst/>
-          </a:prstGeom>
-          <a:noFill/>
-          <a:ln w="19050">
-            <a:solidFill>
-              <a:schemeClr val="tx1"/>
-            </a:solidFill>
-          </a:ln>
-        </p:spPr>
-        <p:style>
-          <a:lnRef idx="2">
-            <a:schemeClr val="accent1">
-              <a:shade val="50000"/>
-            </a:schemeClr>
-          </a:lnRef>
-          <a:fillRef idx="1">
-            <a:schemeClr val="accent1"/>
-          </a:fillRef>
-          <a:effectRef idx="0">
-            <a:schemeClr val="accent1"/>
-          </a:effectRef>
-          <a:fontRef idx="minor">
-            <a:schemeClr val="lt1"/>
-          </a:fontRef>
-        </p:style>
-        <p:txBody>
-          <a:bodyPr rtlCol="0" anchor="ctr"/>
-          <a:lstStyle/>
-          <a:p>
-            <a:pPr algn="ctr"/>
-            <a:endParaRPr kumimoji="1" lang="ja-JP" altLang="en-US"/>
-          </a:p>
-        </p:txBody>
-      </p:sp>
-      <p:sp>
-        <p:nvSpPr>
-          <p:cNvPr id="8" name="円/楕円 7"/>
-          <p:cNvSpPr/>
-          <p:nvPr/>
-        </p:nvSpPr>
-        <p:spPr>
-          <a:xfrm>
-            <a:off x="4131996" y="4317807"/>
-            <a:ext cx="529535" cy="529535"/>
-          </a:xfrm>
-          <a:prstGeom prst="ellipse">
-            <a:avLst/>
-          </a:prstGeom>
-          <a:noFill/>
-          <a:ln w="19050">
-            <a:solidFill>
-              <a:schemeClr val="tx1"/>
-            </a:solidFill>
-          </a:ln>
-        </p:spPr>
-        <p:style>
-          <a:lnRef idx="2">
-            <a:schemeClr val="accent1">
-              <a:shade val="50000"/>
-            </a:schemeClr>
-          </a:lnRef>
-          <a:fillRef idx="1">
-            <a:schemeClr val="accent1"/>
-          </a:fillRef>
-          <a:effectRef idx="0">
-            <a:schemeClr val="accent1"/>
-          </a:effectRef>
-          <a:fontRef idx="minor">
-            <a:schemeClr val="lt1"/>
-          </a:fontRef>
-        </p:style>
-        <p:txBody>
-          <a:bodyPr rtlCol="0" anchor="ctr"/>
-          <a:lstStyle/>
-          <a:p>
-            <a:pPr algn="ctr"/>
-            <a:endParaRPr kumimoji="1" lang="ja-JP" altLang="en-US"/>
-          </a:p>
-        </p:txBody>
-      </p:sp>
-      <p:sp>
-        <p:nvSpPr>
-          <p:cNvPr id="9" name="円/楕円 8"/>
-          <p:cNvSpPr/>
-          <p:nvPr/>
-        </p:nvSpPr>
-        <p:spPr>
-          <a:xfrm>
-            <a:off x="1590513" y="4317806"/>
-            <a:ext cx="529535" cy="529535"/>
-          </a:xfrm>
-          <a:prstGeom prst="ellipse">
-            <a:avLst/>
-          </a:prstGeom>
-          <a:noFill/>
-          <a:ln w="19050">
-            <a:solidFill>
-              <a:schemeClr val="tx1"/>
-            </a:solidFill>
-          </a:ln>
-        </p:spPr>
-        <p:style>
-          <a:lnRef idx="2">
-            <a:schemeClr val="accent1">
-              <a:shade val="50000"/>
-            </a:schemeClr>
-          </a:lnRef>
-          <a:fillRef idx="1">
-            <a:schemeClr val="accent1"/>
-          </a:fillRef>
-          <a:effectRef idx="0">
-            <a:schemeClr val="accent1"/>
-          </a:effectRef>
-          <a:fontRef idx="minor">
-            <a:schemeClr val="lt1"/>
-          </a:fontRef>
-        </p:style>
-        <p:txBody>
-          <a:bodyPr rtlCol="0" anchor="ctr"/>
-          <a:lstStyle/>
-          <a:p>
-            <a:pPr algn="ctr"/>
-            <a:endParaRPr kumimoji="1" lang="ja-JP" altLang="en-US"/>
-          </a:p>
-        </p:txBody>
-      </p:sp>
-      <p:cxnSp>
-        <p:nvCxnSpPr>
-          <p:cNvPr id="11" name="直線矢印コネクタ 10"/>
-          <p:cNvCxnSpPr>
-            <a:stCxn id="5" idx="5"/>
-            <a:endCxn id="8" idx="0"/>
-          </p:cNvCxnSpPr>
-          <p:nvPr/>
-        </p:nvCxnSpPr>
-        <p:spPr>
-          <a:xfrm>
-            <a:off x="3736822" y="3070984"/>
-            <a:ext cx="659942" cy="1246823"/>
-          </a:xfrm>
-          <a:prstGeom prst="straightConnector1">
-            <a:avLst/>
-          </a:prstGeom>
-          <a:ln w="19050">
-            <a:solidFill>
-              <a:schemeClr val="tx1"/>
-            </a:solidFill>
-            <a:tailEnd type="triangle" w="lg" len="med"/>
-          </a:ln>
-        </p:spPr>
-        <p:style>
-          <a:lnRef idx="1">
-            <a:schemeClr val="accent1"/>
-          </a:lnRef>
-          <a:fillRef idx="0">
-            <a:schemeClr val="accent1"/>
-          </a:fillRef>
-          <a:effectRef idx="0">
-            <a:schemeClr val="accent1"/>
-          </a:effectRef>
-          <a:fontRef idx="minor">
-            <a:schemeClr val="tx1"/>
-          </a:fontRef>
-        </p:style>
-      </p:cxnSp>
-      <p:cxnSp>
-        <p:nvCxnSpPr>
-          <p:cNvPr id="12" name="直線矢印コネクタ 11"/>
-          <p:cNvCxnSpPr>
-            <a:stCxn id="4" idx="4"/>
-            <a:endCxn id="5" idx="0"/>
-          </p:cNvCxnSpPr>
-          <p:nvPr/>
-        </p:nvCxnSpPr>
-        <p:spPr>
-          <a:xfrm flipH="1">
-            <a:off x="3549604" y="1449721"/>
-            <a:ext cx="2937" cy="1169277"/>
-          </a:xfrm>
-          <a:prstGeom prst="straightConnector1">
-            <a:avLst/>
-          </a:prstGeom>
-          <a:ln w="19050">
-            <a:solidFill>
-              <a:schemeClr val="tx1"/>
-            </a:solidFill>
-            <a:tailEnd type="triangle" w="lg" len="med"/>
-          </a:ln>
-        </p:spPr>
-        <p:style>
-          <a:lnRef idx="1">
-            <a:schemeClr val="accent1"/>
-          </a:lnRef>
-          <a:fillRef idx="0">
-            <a:schemeClr val="accent1"/>
-          </a:fillRef>
-          <a:effectRef idx="0">
-            <a:schemeClr val="accent1"/>
-          </a:effectRef>
-          <a:fontRef idx="minor">
-            <a:schemeClr val="tx1"/>
-          </a:fontRef>
-        </p:style>
-      </p:cxnSp>
-      <p:cxnSp>
-        <p:nvCxnSpPr>
-          <p:cNvPr id="18" name="直線矢印コネクタ 17"/>
-          <p:cNvCxnSpPr>
-            <a:stCxn id="5" idx="3"/>
-            <a:endCxn id="6" idx="0"/>
-          </p:cNvCxnSpPr>
-          <p:nvPr/>
-        </p:nvCxnSpPr>
-        <p:spPr>
-          <a:xfrm flipH="1">
-            <a:off x="2702442" y="3070984"/>
-            <a:ext cx="659943" cy="1246825"/>
-          </a:xfrm>
-          <a:prstGeom prst="straightConnector1">
-            <a:avLst/>
-          </a:prstGeom>
-          <a:ln w="19050">
-            <a:solidFill>
-              <a:schemeClr val="tx1"/>
-            </a:solidFill>
-            <a:tailEnd type="triangle" w="lg" len="med"/>
-          </a:ln>
-        </p:spPr>
-        <p:style>
-          <a:lnRef idx="1">
-            <a:schemeClr val="accent1"/>
-          </a:lnRef>
-          <a:fillRef idx="0">
-            <a:schemeClr val="accent1"/>
-          </a:fillRef>
-          <a:effectRef idx="0">
-            <a:schemeClr val="accent1"/>
-          </a:effectRef>
-          <a:fontRef idx="minor">
-            <a:schemeClr val="tx1"/>
-          </a:fontRef>
-        </p:style>
-      </p:cxnSp>
-      <p:cxnSp>
-        <p:nvCxnSpPr>
-          <p:cNvPr id="21" name="直線矢印コネクタ 20"/>
-          <p:cNvCxnSpPr>
-            <a:endCxn id="9" idx="0"/>
-          </p:cNvCxnSpPr>
-          <p:nvPr/>
-        </p:nvCxnSpPr>
-        <p:spPr>
-          <a:xfrm flipH="1">
-            <a:off x="1855281" y="3016150"/>
-            <a:ext cx="1466676" cy="1301656"/>
-          </a:xfrm>
-          <a:prstGeom prst="straightConnector1">
-            <a:avLst/>
-          </a:prstGeom>
-          <a:ln w="19050">
-            <a:solidFill>
-              <a:schemeClr val="tx1"/>
-            </a:solidFill>
-            <a:tailEnd type="triangle" w="lg" len="med"/>
-          </a:ln>
-        </p:spPr>
-        <p:style>
-          <a:lnRef idx="1">
-            <a:schemeClr val="accent1"/>
-          </a:lnRef>
-          <a:fillRef idx="0">
-            <a:schemeClr val="accent1"/>
-          </a:fillRef>
-          <a:effectRef idx="0">
-            <a:schemeClr val="accent1"/>
-          </a:effectRef>
-          <a:fontRef idx="minor">
-            <a:schemeClr val="tx1"/>
-          </a:fontRef>
-        </p:style>
-      </p:cxnSp>
-      <p:sp>
-        <p:nvSpPr>
-          <p:cNvPr id="26" name="テキスト ボックス 25"/>
-          <p:cNvSpPr txBox="1"/>
-          <p:nvPr/>
-        </p:nvSpPr>
-        <p:spPr>
-          <a:xfrm>
-            <a:off x="3309162" y="4380108"/>
-            <a:ext cx="468086" cy="523220"/>
-          </a:xfrm>
-          <a:prstGeom prst="rect">
-            <a:avLst/>
-          </a:prstGeom>
-          <a:noFill/>
-        </p:spPr>
-        <p:txBody>
-          <a:bodyPr wrap="square" rtlCol="0">
-            <a:spAutoFit/>
-          </a:bodyPr>
-          <a:lstStyle/>
-          <a:p>
-            <a:pPr algn="ctr"/>
-            <a:r>
-              <a:rPr kumimoji="1" lang="is-IS" altLang="ja-JP" sz="2800" dirty="0" smtClean="0"/>
-              <a:t>…</a:t>
-            </a:r>
-            <a:endParaRPr kumimoji="1" lang="ja-JP" altLang="en-US" dirty="0"/>
-          </a:p>
-        </p:txBody>
-      </p:sp>
-      <p:sp>
-        <p:nvSpPr>
-          <p:cNvPr id="27" name="テキスト ボックス 26"/>
-          <p:cNvSpPr txBox="1"/>
-          <p:nvPr/>
-        </p:nvSpPr>
-        <p:spPr>
-          <a:xfrm>
-            <a:off x="3135946" y="1720131"/>
-            <a:ext cx="827314" cy="369332"/>
-          </a:xfrm>
-          <a:prstGeom prst="rect">
-            <a:avLst/>
-          </a:prstGeom>
-          <a:noFill/>
-        </p:spPr>
-        <p:txBody>
-          <a:bodyPr wrap="square" rtlCol="0">
-            <a:spAutoFit/>
-          </a:bodyPr>
-          <a:lstStyle/>
-          <a:p>
-            <a:r>
-              <a:rPr lang="en-US" altLang="ja-JP" i="1" smtClean="0"/>
-              <a:t>e</a:t>
-            </a:r>
-            <a:endParaRPr kumimoji="1" lang="ja-JP" altLang="en-US" i="1" dirty="0"/>
-          </a:p>
-        </p:txBody>
-      </p:sp>
-      <p:sp>
-        <p:nvSpPr>
-          <p:cNvPr id="28" name="円/楕円 27"/>
-          <p:cNvSpPr/>
-          <p:nvPr/>
-        </p:nvSpPr>
-        <p:spPr>
-          <a:xfrm rot="10800000">
-            <a:off x="7517702" y="4373793"/>
-            <a:ext cx="529535" cy="529535"/>
-          </a:xfrm>
-          <a:prstGeom prst="ellipse">
-            <a:avLst/>
-          </a:prstGeom>
-          <a:noFill/>
-          <a:ln w="19050">
-            <a:solidFill>
-              <a:schemeClr val="tx1"/>
-            </a:solidFill>
-          </a:ln>
-        </p:spPr>
-        <p:style>
-          <a:lnRef idx="2">
-            <a:schemeClr val="accent1">
-              <a:shade val="50000"/>
-            </a:schemeClr>
-          </a:lnRef>
-          <a:fillRef idx="1">
-            <a:schemeClr val="accent1"/>
-          </a:fillRef>
-          <a:effectRef idx="0">
-            <a:schemeClr val="accent1"/>
-          </a:effectRef>
-          <a:fontRef idx="minor">
-            <a:schemeClr val="lt1"/>
-          </a:fontRef>
-        </p:style>
-        <p:txBody>
-          <a:bodyPr rtlCol="0" anchor="ctr"/>
-          <a:lstStyle/>
-          <a:p>
-            <a:pPr algn="ctr"/>
-            <a:endParaRPr kumimoji="1" lang="ja-JP" altLang="en-US"/>
-          </a:p>
-        </p:txBody>
-      </p:sp>
-      <p:sp>
-        <p:nvSpPr>
-          <p:cNvPr id="29" name="円/楕円 28"/>
-          <p:cNvSpPr/>
-          <p:nvPr/>
-        </p:nvSpPr>
-        <p:spPr>
-          <a:xfrm rot="10800000">
-            <a:off x="7520639" y="2674981"/>
-            <a:ext cx="529535" cy="529535"/>
-          </a:xfrm>
-          <a:prstGeom prst="ellipse">
-            <a:avLst/>
-          </a:prstGeom>
-          <a:noFill/>
-          <a:ln w="19050">
-            <a:solidFill>
-              <a:schemeClr val="tx1"/>
-            </a:solidFill>
-          </a:ln>
-        </p:spPr>
-        <p:style>
-          <a:lnRef idx="2">
-            <a:schemeClr val="accent1">
-              <a:shade val="50000"/>
-            </a:schemeClr>
-          </a:lnRef>
-          <a:fillRef idx="1">
-            <a:schemeClr val="accent1"/>
-          </a:fillRef>
-          <a:effectRef idx="0">
-            <a:schemeClr val="accent1"/>
-          </a:effectRef>
-          <a:fontRef idx="minor">
-            <a:schemeClr val="lt1"/>
-          </a:fontRef>
-        </p:style>
-        <p:txBody>
-          <a:bodyPr rtlCol="0" anchor="ctr"/>
-          <a:lstStyle/>
-          <a:p>
-            <a:pPr algn="ctr"/>
-            <a:endParaRPr kumimoji="1" lang="ja-JP" altLang="en-US"/>
-          </a:p>
-        </p:txBody>
-      </p:sp>
-      <p:sp>
-        <p:nvSpPr>
-          <p:cNvPr id="30" name="円/楕円 29"/>
-          <p:cNvSpPr/>
-          <p:nvPr/>
-        </p:nvSpPr>
-        <p:spPr>
-          <a:xfrm rot="10800000">
-            <a:off x="8367801" y="976170"/>
-            <a:ext cx="529535" cy="529535"/>
-          </a:xfrm>
-          <a:prstGeom prst="ellipse">
-            <a:avLst/>
-          </a:prstGeom>
-          <a:noFill/>
-          <a:ln w="19050">
-            <a:solidFill>
-              <a:schemeClr val="tx1"/>
-            </a:solidFill>
-          </a:ln>
-        </p:spPr>
-        <p:style>
-          <a:lnRef idx="2">
-            <a:schemeClr val="accent1">
-              <a:shade val="50000"/>
-            </a:schemeClr>
-          </a:lnRef>
-          <a:fillRef idx="1">
-            <a:schemeClr val="accent1"/>
-          </a:fillRef>
-          <a:effectRef idx="0">
-            <a:schemeClr val="accent1"/>
-          </a:effectRef>
-          <a:fontRef idx="minor">
-            <a:schemeClr val="lt1"/>
-          </a:fontRef>
-        </p:style>
-        <p:txBody>
-          <a:bodyPr rtlCol="0" anchor="ctr"/>
-          <a:lstStyle/>
-          <a:p>
-            <a:pPr algn="ctr"/>
-            <a:endParaRPr kumimoji="1" lang="ja-JP" altLang="en-US"/>
-          </a:p>
-        </p:txBody>
-      </p:sp>
-      <p:sp>
-        <p:nvSpPr>
-          <p:cNvPr id="31" name="円/楕円 30"/>
-          <p:cNvSpPr/>
-          <p:nvPr/>
-        </p:nvSpPr>
-        <p:spPr>
-          <a:xfrm rot="10800000">
-            <a:off x="6673479" y="976172"/>
-            <a:ext cx="529535" cy="529535"/>
-          </a:xfrm>
-          <a:prstGeom prst="ellipse">
-            <a:avLst/>
-          </a:prstGeom>
-          <a:noFill/>
-          <a:ln w="19050">
-            <a:solidFill>
-              <a:schemeClr val="tx1"/>
-            </a:solidFill>
-          </a:ln>
-        </p:spPr>
-        <p:style>
-          <a:lnRef idx="2">
-            <a:schemeClr val="accent1">
-              <a:shade val="50000"/>
-            </a:schemeClr>
-          </a:lnRef>
-          <a:fillRef idx="1">
-            <a:schemeClr val="accent1"/>
-          </a:fillRef>
-          <a:effectRef idx="0">
-            <a:schemeClr val="accent1"/>
-          </a:effectRef>
-          <a:fontRef idx="minor">
-            <a:schemeClr val="lt1"/>
-          </a:fontRef>
-        </p:style>
-        <p:txBody>
-          <a:bodyPr rtlCol="0" anchor="ctr"/>
-          <a:lstStyle/>
-          <a:p>
-            <a:pPr algn="ctr"/>
-            <a:endParaRPr kumimoji="1" lang="ja-JP" altLang="en-US"/>
-          </a:p>
-        </p:txBody>
-      </p:sp>
-      <p:sp>
-        <p:nvSpPr>
-          <p:cNvPr id="32" name="円/楕円 31"/>
-          <p:cNvSpPr/>
-          <p:nvPr/>
-        </p:nvSpPr>
-        <p:spPr>
-          <a:xfrm rot="10800000">
-            <a:off x="5821538" y="976169"/>
-            <a:ext cx="529535" cy="529535"/>
-          </a:xfrm>
-          <a:prstGeom prst="ellipse">
-            <a:avLst/>
-          </a:prstGeom>
-          <a:noFill/>
-          <a:ln w="19050">
-            <a:solidFill>
-              <a:schemeClr val="tx1"/>
-            </a:solidFill>
-          </a:ln>
-        </p:spPr>
-        <p:style>
-          <a:lnRef idx="2">
-            <a:schemeClr val="accent1">
-              <a:shade val="50000"/>
-            </a:schemeClr>
-          </a:lnRef>
-          <a:fillRef idx="1">
-            <a:schemeClr val="accent1"/>
-          </a:fillRef>
-          <a:effectRef idx="0">
-            <a:schemeClr val="accent1"/>
-          </a:effectRef>
-          <a:fontRef idx="minor">
-            <a:schemeClr val="lt1"/>
-          </a:fontRef>
-        </p:style>
-        <p:txBody>
-          <a:bodyPr rtlCol="0" anchor="ctr"/>
-          <a:lstStyle/>
-          <a:p>
-            <a:pPr algn="ctr"/>
-            <a:endParaRPr kumimoji="1" lang="ja-JP" altLang="en-US"/>
-          </a:p>
-        </p:txBody>
-      </p:sp>
-      <p:cxnSp>
-        <p:nvCxnSpPr>
-          <p:cNvPr id="33" name="直線矢印コネクタ 32"/>
-          <p:cNvCxnSpPr>
-            <a:endCxn id="31" idx="1"/>
-          </p:cNvCxnSpPr>
-          <p:nvPr/>
-        </p:nvCxnSpPr>
-        <p:spPr>
-          <a:xfrm flipH="1" flipV="1">
-            <a:off x="7125465" y="1428158"/>
-            <a:ext cx="544063" cy="1275442"/>
-          </a:xfrm>
-          <a:prstGeom prst="straightConnector1">
-            <a:avLst/>
-          </a:prstGeom>
-          <a:ln w="19050">
-            <a:solidFill>
-              <a:schemeClr val="tx1"/>
-            </a:solidFill>
-            <a:headEnd type="triangle" w="lg" len="med"/>
-            <a:tailEnd type="none" w="lg" len="med"/>
-          </a:ln>
-        </p:spPr>
-        <p:style>
-          <a:lnRef idx="1">
-            <a:schemeClr val="accent1"/>
-          </a:lnRef>
-          <a:fillRef idx="0">
-            <a:schemeClr val="accent1"/>
-          </a:fillRef>
-          <a:effectRef idx="0">
-            <a:schemeClr val="accent1"/>
-          </a:effectRef>
-          <a:fontRef idx="minor">
-            <a:schemeClr val="tx1"/>
-          </a:fontRef>
-        </p:style>
-      </p:cxnSp>
-      <p:cxnSp>
-        <p:nvCxnSpPr>
-          <p:cNvPr id="34" name="直線矢印コネクタ 33"/>
-          <p:cNvCxnSpPr>
-            <a:stCxn id="30" idx="4"/>
-            <a:endCxn id="31" idx="0"/>
-          </p:cNvCxnSpPr>
-          <p:nvPr/>
-        </p:nvCxnSpPr>
-        <p:spPr>
-          <a:xfrm rot="10800000" flipH="1">
-            <a:off x="7782469" y="3204516"/>
-            <a:ext cx="2937" cy="1169277"/>
-          </a:xfrm>
-          <a:prstGeom prst="straightConnector1">
-            <a:avLst/>
-          </a:prstGeom>
-          <a:ln w="19050">
-            <a:solidFill>
-              <a:schemeClr val="tx1"/>
-            </a:solidFill>
-            <a:headEnd type="triangle" w="lg" len="med"/>
-            <a:tailEnd type="none" w="lg" len="med"/>
-          </a:ln>
-        </p:spPr>
-        <p:style>
-          <a:lnRef idx="1">
-            <a:schemeClr val="accent1"/>
-          </a:lnRef>
-          <a:fillRef idx="0">
-            <a:schemeClr val="accent1"/>
-          </a:fillRef>
-          <a:effectRef idx="0">
-            <a:schemeClr val="accent1"/>
-          </a:effectRef>
-          <a:fontRef idx="minor">
-            <a:schemeClr val="tx1"/>
-          </a:fontRef>
-        </p:style>
-      </p:cxnSp>
-      <p:cxnSp>
-        <p:nvCxnSpPr>
-          <p:cNvPr id="35" name="直線矢印コネクタ 34"/>
-          <p:cNvCxnSpPr>
-            <a:stCxn id="29" idx="5"/>
-            <a:endCxn id="32" idx="1"/>
-          </p:cNvCxnSpPr>
-          <p:nvPr/>
-        </p:nvCxnSpPr>
-        <p:spPr>
-          <a:xfrm flipH="1" flipV="1">
-            <a:off x="6273524" y="1428155"/>
-            <a:ext cx="1324664" cy="1324375"/>
-          </a:xfrm>
-          <a:prstGeom prst="straightConnector1">
-            <a:avLst/>
-          </a:prstGeom>
-          <a:ln w="19050">
-            <a:solidFill>
-              <a:schemeClr val="tx1"/>
-            </a:solidFill>
-            <a:headEnd type="triangle" w="lg" len="med"/>
-            <a:tailEnd type="none" w="lg" len="med"/>
-          </a:ln>
-        </p:spPr>
-        <p:style>
-          <a:lnRef idx="1">
-            <a:schemeClr val="accent1"/>
-          </a:lnRef>
-          <a:fillRef idx="0">
-            <a:schemeClr val="accent1"/>
-          </a:fillRef>
-          <a:effectRef idx="0">
-            <a:schemeClr val="accent1"/>
-          </a:effectRef>
-          <a:fontRef idx="minor">
-            <a:schemeClr val="tx1"/>
-          </a:fontRef>
-        </p:style>
-      </p:cxnSp>
-      <p:sp>
-        <p:nvSpPr>
-          <p:cNvPr id="37" name="テキスト ボックス 36"/>
-          <p:cNvSpPr txBox="1"/>
-          <p:nvPr/>
-        </p:nvSpPr>
-        <p:spPr>
-          <a:xfrm rot="10800000">
-            <a:off x="7478067" y="976168"/>
-            <a:ext cx="468086" cy="523220"/>
-          </a:xfrm>
-          <a:prstGeom prst="rect">
-            <a:avLst/>
-          </a:prstGeom>
-          <a:noFill/>
-        </p:spPr>
-        <p:txBody>
-          <a:bodyPr wrap="square" rtlCol="0">
-            <a:spAutoFit/>
-          </a:bodyPr>
-          <a:lstStyle/>
-          <a:p>
-            <a:pPr algn="ctr"/>
-            <a:r>
-              <a:rPr kumimoji="1" lang="is-IS" altLang="ja-JP" sz="2800" dirty="0" smtClean="0"/>
-              <a:t>…</a:t>
-            </a:r>
-            <a:endParaRPr kumimoji="1" lang="ja-JP" altLang="en-US" dirty="0"/>
-          </a:p>
-        </p:txBody>
-      </p:sp>
-      <p:sp>
-        <p:nvSpPr>
-          <p:cNvPr id="38" name="テキスト ボックス 37"/>
-          <p:cNvSpPr txBox="1"/>
-          <p:nvPr/>
-        </p:nvSpPr>
-        <p:spPr>
-          <a:xfrm>
-            <a:off x="7381673" y="3467827"/>
-            <a:ext cx="827314" cy="369332"/>
-          </a:xfrm>
-          <a:prstGeom prst="rect">
-            <a:avLst/>
-          </a:prstGeom>
-          <a:noFill/>
-        </p:spPr>
-        <p:txBody>
-          <a:bodyPr wrap="square" rtlCol="0">
-            <a:spAutoFit/>
-          </a:bodyPr>
-          <a:lstStyle/>
-          <a:p>
-            <a:r>
-              <a:rPr lang="en-US" altLang="ja-JP" i="1"/>
-              <a:t>e</a:t>
-            </a:r>
-            <a:endParaRPr kumimoji="1" lang="ja-JP" altLang="en-US" i="1" dirty="0"/>
-          </a:p>
-        </p:txBody>
-      </p:sp>
-      <p:cxnSp>
-        <p:nvCxnSpPr>
-          <p:cNvPr id="332" name="直線矢印コネクタ 331"/>
-          <p:cNvCxnSpPr>
-            <a:stCxn id="29" idx="3"/>
-            <a:endCxn id="30" idx="7"/>
-          </p:cNvCxnSpPr>
-          <p:nvPr/>
-        </p:nvCxnSpPr>
-        <p:spPr>
-          <a:xfrm flipV="1">
-            <a:off x="7972625" y="1428156"/>
-            <a:ext cx="472725" cy="1324374"/>
-          </a:xfrm>
-          <a:prstGeom prst="straightConnector1">
-            <a:avLst/>
-          </a:prstGeom>
-          <a:ln w="19050">
-            <a:solidFill>
-              <a:schemeClr val="tx1"/>
-            </a:solidFill>
-            <a:headEnd type="triangle" w="lg" len="med"/>
-            <a:tailEnd type="none" w="lg" len="med"/>
-          </a:ln>
-        </p:spPr>
-        <p:style>
-          <a:lnRef idx="1">
-            <a:schemeClr val="accent1"/>
-          </a:lnRef>
-          <a:fillRef idx="0">
-            <a:schemeClr val="accent1"/>
-          </a:fillRef>
-          <a:effectRef idx="0">
-            <a:schemeClr val="accent1"/>
-          </a:effectRef>
-          <a:fontRef idx="minor">
-            <a:schemeClr val="tx1"/>
-          </a:fontRef>
-        </p:style>
-      </p:cxnSp>
+        </p:grpSpPr>
+        <p:grpSp>
+          <p:nvGrpSpPr>
+            <p:cNvPr id="3" name="図形グループ 2"/>
+            <p:cNvGrpSpPr/>
+            <p:nvPr/>
+          </p:nvGrpSpPr>
+          <p:grpSpPr>
+            <a:xfrm>
+              <a:off x="1841506" y="845540"/>
+              <a:ext cx="3071018" cy="3983142"/>
+              <a:chOff x="1590513" y="920186"/>
+              <a:chExt cx="3071018" cy="3983142"/>
+            </a:xfrm>
+          </p:grpSpPr>
+          <p:sp>
+            <p:nvSpPr>
+              <p:cNvPr id="4" name="円/楕円 3"/>
+              <p:cNvSpPr/>
+              <p:nvPr/>
+            </p:nvSpPr>
+            <p:spPr>
+              <a:xfrm>
+                <a:off x="3287773" y="920186"/>
+                <a:ext cx="529535" cy="529535"/>
+              </a:xfrm>
+              <a:prstGeom prst="ellipse">
+                <a:avLst/>
+              </a:prstGeom>
+              <a:noFill/>
+              <a:ln w="19050">
+                <a:solidFill>
+                  <a:schemeClr val="tx1"/>
+                </a:solidFill>
+              </a:ln>
+            </p:spPr>
+            <p:style>
+              <a:lnRef idx="2">
+                <a:schemeClr val="accent1">
+                  <a:shade val="50000"/>
+                </a:schemeClr>
+              </a:lnRef>
+              <a:fillRef idx="1">
+                <a:schemeClr val="accent1"/>
+              </a:fillRef>
+              <a:effectRef idx="0">
+                <a:schemeClr val="accent1"/>
+              </a:effectRef>
+              <a:fontRef idx="minor">
+                <a:schemeClr val="lt1"/>
+              </a:fontRef>
+            </p:style>
+            <p:txBody>
+              <a:bodyPr rtlCol="0" anchor="ctr"/>
+              <a:lstStyle/>
+              <a:p>
+                <a:pPr algn="ctr"/>
+                <a:r>
+                  <a:rPr kumimoji="1" lang="en-US" altLang="ja-JP" sz="2800" i="1" dirty="0" smtClean="0">
+                    <a:solidFill>
+                      <a:schemeClr val="tx1"/>
+                    </a:solidFill>
+                  </a:rPr>
+                  <a:t>s</a:t>
+                </a:r>
+                <a:endParaRPr kumimoji="1" lang="ja-JP" altLang="en-US" sz="2800" i="1" dirty="0">
+                  <a:solidFill>
+                    <a:schemeClr val="tx1"/>
+                  </a:solidFill>
+                </a:endParaRPr>
+              </a:p>
+            </p:txBody>
+          </p:sp>
+          <p:sp>
+            <p:nvSpPr>
+              <p:cNvPr id="5" name="円/楕円 4"/>
+              <p:cNvSpPr/>
+              <p:nvPr/>
+            </p:nvSpPr>
+            <p:spPr>
+              <a:xfrm>
+                <a:off x="3284836" y="2618998"/>
+                <a:ext cx="529535" cy="529535"/>
+              </a:xfrm>
+              <a:prstGeom prst="ellipse">
+                <a:avLst/>
+              </a:prstGeom>
+              <a:noFill/>
+              <a:ln w="19050">
+                <a:solidFill>
+                  <a:schemeClr val="tx1"/>
+                </a:solidFill>
+              </a:ln>
+            </p:spPr>
+            <p:style>
+              <a:lnRef idx="2">
+                <a:schemeClr val="accent1">
+                  <a:shade val="50000"/>
+                </a:schemeClr>
+              </a:lnRef>
+              <a:fillRef idx="1">
+                <a:schemeClr val="accent1"/>
+              </a:fillRef>
+              <a:effectRef idx="0">
+                <a:schemeClr val="accent1"/>
+              </a:effectRef>
+              <a:fontRef idx="minor">
+                <a:schemeClr val="lt1"/>
+              </a:fontRef>
+            </p:style>
+            <p:txBody>
+              <a:bodyPr rtlCol="0" anchor="ctr"/>
+              <a:lstStyle/>
+              <a:p>
+                <a:pPr algn="ctr"/>
+                <a:endParaRPr kumimoji="1" lang="ja-JP" altLang="en-US"/>
+              </a:p>
+            </p:txBody>
+          </p:sp>
+          <p:sp>
+            <p:nvSpPr>
+              <p:cNvPr id="6" name="円/楕円 5"/>
+              <p:cNvSpPr/>
+              <p:nvPr/>
+            </p:nvSpPr>
+            <p:spPr>
+              <a:xfrm>
+                <a:off x="2437674" y="4317809"/>
+                <a:ext cx="529535" cy="529535"/>
+              </a:xfrm>
+              <a:prstGeom prst="ellipse">
+                <a:avLst/>
+              </a:prstGeom>
+              <a:noFill/>
+              <a:ln w="19050">
+                <a:solidFill>
+                  <a:schemeClr val="tx1"/>
+                </a:solidFill>
+              </a:ln>
+            </p:spPr>
+            <p:style>
+              <a:lnRef idx="2">
+                <a:schemeClr val="accent1">
+                  <a:shade val="50000"/>
+                </a:schemeClr>
+              </a:lnRef>
+              <a:fillRef idx="1">
+                <a:schemeClr val="accent1"/>
+              </a:fillRef>
+              <a:effectRef idx="0">
+                <a:schemeClr val="accent1"/>
+              </a:effectRef>
+              <a:fontRef idx="minor">
+                <a:schemeClr val="lt1"/>
+              </a:fontRef>
+            </p:style>
+            <p:txBody>
+              <a:bodyPr rtlCol="0" anchor="ctr"/>
+              <a:lstStyle/>
+              <a:p>
+                <a:pPr algn="ctr"/>
+                <a:endParaRPr kumimoji="1" lang="ja-JP" altLang="en-US"/>
+              </a:p>
+            </p:txBody>
+          </p:sp>
+          <p:sp>
+            <p:nvSpPr>
+              <p:cNvPr id="8" name="円/楕円 7"/>
+              <p:cNvSpPr/>
+              <p:nvPr/>
+            </p:nvSpPr>
+            <p:spPr>
+              <a:xfrm>
+                <a:off x="4131996" y="4317807"/>
+                <a:ext cx="529535" cy="529535"/>
+              </a:xfrm>
+              <a:prstGeom prst="ellipse">
+                <a:avLst/>
+              </a:prstGeom>
+              <a:noFill/>
+              <a:ln w="19050">
+                <a:solidFill>
+                  <a:schemeClr val="tx1"/>
+                </a:solidFill>
+              </a:ln>
+            </p:spPr>
+            <p:style>
+              <a:lnRef idx="2">
+                <a:schemeClr val="accent1">
+                  <a:shade val="50000"/>
+                </a:schemeClr>
+              </a:lnRef>
+              <a:fillRef idx="1">
+                <a:schemeClr val="accent1"/>
+              </a:fillRef>
+              <a:effectRef idx="0">
+                <a:schemeClr val="accent1"/>
+              </a:effectRef>
+              <a:fontRef idx="minor">
+                <a:schemeClr val="lt1"/>
+              </a:fontRef>
+            </p:style>
+            <p:txBody>
+              <a:bodyPr rtlCol="0" anchor="ctr"/>
+              <a:lstStyle/>
+              <a:p>
+                <a:pPr algn="ctr"/>
+                <a:endParaRPr kumimoji="1" lang="ja-JP" altLang="en-US"/>
+              </a:p>
+            </p:txBody>
+          </p:sp>
+          <p:sp>
+            <p:nvSpPr>
+              <p:cNvPr id="9" name="円/楕円 8"/>
+              <p:cNvSpPr/>
+              <p:nvPr/>
+            </p:nvSpPr>
+            <p:spPr>
+              <a:xfrm>
+                <a:off x="1590513" y="4317806"/>
+                <a:ext cx="529535" cy="529535"/>
+              </a:xfrm>
+              <a:prstGeom prst="ellipse">
+                <a:avLst/>
+              </a:prstGeom>
+              <a:noFill/>
+              <a:ln w="19050">
+                <a:solidFill>
+                  <a:schemeClr val="tx1"/>
+                </a:solidFill>
+              </a:ln>
+            </p:spPr>
+            <p:style>
+              <a:lnRef idx="2">
+                <a:schemeClr val="accent1">
+                  <a:shade val="50000"/>
+                </a:schemeClr>
+              </a:lnRef>
+              <a:fillRef idx="1">
+                <a:schemeClr val="accent1"/>
+              </a:fillRef>
+              <a:effectRef idx="0">
+                <a:schemeClr val="accent1"/>
+              </a:effectRef>
+              <a:fontRef idx="minor">
+                <a:schemeClr val="lt1"/>
+              </a:fontRef>
+            </p:style>
+            <p:txBody>
+              <a:bodyPr rtlCol="0" anchor="ctr"/>
+              <a:lstStyle/>
+              <a:p>
+                <a:pPr algn="ctr"/>
+                <a:endParaRPr kumimoji="1" lang="ja-JP" altLang="en-US"/>
+              </a:p>
+            </p:txBody>
+          </p:sp>
+          <p:cxnSp>
+            <p:nvCxnSpPr>
+              <p:cNvPr id="11" name="直線矢印コネクタ 10"/>
+              <p:cNvCxnSpPr>
+                <a:stCxn id="5" idx="5"/>
+                <a:endCxn id="8" idx="0"/>
+              </p:cNvCxnSpPr>
+              <p:nvPr/>
+            </p:nvCxnSpPr>
+            <p:spPr>
+              <a:xfrm>
+                <a:off x="3736822" y="3070984"/>
+                <a:ext cx="659942" cy="1246823"/>
+              </a:xfrm>
+              <a:prstGeom prst="straightConnector1">
+                <a:avLst/>
+              </a:prstGeom>
+              <a:ln w="19050">
+                <a:solidFill>
+                  <a:schemeClr val="tx1"/>
+                </a:solidFill>
+                <a:tailEnd type="triangle" w="lg" len="med"/>
+              </a:ln>
+            </p:spPr>
+            <p:style>
+              <a:lnRef idx="1">
+                <a:schemeClr val="accent1"/>
+              </a:lnRef>
+              <a:fillRef idx="0">
+                <a:schemeClr val="accent1"/>
+              </a:fillRef>
+              <a:effectRef idx="0">
+                <a:schemeClr val="accent1"/>
+              </a:effectRef>
+              <a:fontRef idx="minor">
+                <a:schemeClr val="tx1"/>
+              </a:fontRef>
+            </p:style>
+          </p:cxnSp>
+          <p:cxnSp>
+            <p:nvCxnSpPr>
+              <p:cNvPr id="12" name="直線矢印コネクタ 11"/>
+              <p:cNvCxnSpPr>
+                <a:stCxn id="4" idx="4"/>
+                <a:endCxn id="5" idx="0"/>
+              </p:cNvCxnSpPr>
+              <p:nvPr/>
+            </p:nvCxnSpPr>
+            <p:spPr>
+              <a:xfrm flipH="1">
+                <a:off x="3549604" y="1449721"/>
+                <a:ext cx="2937" cy="1169277"/>
+              </a:xfrm>
+              <a:prstGeom prst="straightConnector1">
+                <a:avLst/>
+              </a:prstGeom>
+              <a:ln w="19050">
+                <a:solidFill>
+                  <a:schemeClr val="tx1"/>
+                </a:solidFill>
+                <a:tailEnd type="triangle" w="lg" len="med"/>
+              </a:ln>
+            </p:spPr>
+            <p:style>
+              <a:lnRef idx="1">
+                <a:schemeClr val="accent1"/>
+              </a:lnRef>
+              <a:fillRef idx="0">
+                <a:schemeClr val="accent1"/>
+              </a:fillRef>
+              <a:effectRef idx="0">
+                <a:schemeClr val="accent1"/>
+              </a:effectRef>
+              <a:fontRef idx="minor">
+                <a:schemeClr val="tx1"/>
+              </a:fontRef>
+            </p:style>
+          </p:cxnSp>
+          <p:cxnSp>
+            <p:nvCxnSpPr>
+              <p:cNvPr id="18" name="直線矢印コネクタ 17"/>
+              <p:cNvCxnSpPr>
+                <a:stCxn id="5" idx="3"/>
+                <a:endCxn id="6" idx="0"/>
+              </p:cNvCxnSpPr>
+              <p:nvPr/>
+            </p:nvCxnSpPr>
+            <p:spPr>
+              <a:xfrm flipH="1">
+                <a:off x="2702442" y="3070984"/>
+                <a:ext cx="659943" cy="1246825"/>
+              </a:xfrm>
+              <a:prstGeom prst="straightConnector1">
+                <a:avLst/>
+              </a:prstGeom>
+              <a:ln w="19050">
+                <a:solidFill>
+                  <a:schemeClr val="tx1"/>
+                </a:solidFill>
+                <a:tailEnd type="triangle" w="lg" len="med"/>
+              </a:ln>
+            </p:spPr>
+            <p:style>
+              <a:lnRef idx="1">
+                <a:schemeClr val="accent1"/>
+              </a:lnRef>
+              <a:fillRef idx="0">
+                <a:schemeClr val="accent1"/>
+              </a:fillRef>
+              <a:effectRef idx="0">
+                <a:schemeClr val="accent1"/>
+              </a:effectRef>
+              <a:fontRef idx="minor">
+                <a:schemeClr val="tx1"/>
+              </a:fontRef>
+            </p:style>
+          </p:cxnSp>
+          <p:cxnSp>
+            <p:nvCxnSpPr>
+              <p:cNvPr id="21" name="直線矢印コネクタ 20"/>
+              <p:cNvCxnSpPr>
+                <a:endCxn id="9" idx="0"/>
+              </p:cNvCxnSpPr>
+              <p:nvPr/>
+            </p:nvCxnSpPr>
+            <p:spPr>
+              <a:xfrm flipH="1">
+                <a:off x="1855281" y="3016150"/>
+                <a:ext cx="1466676" cy="1301656"/>
+              </a:xfrm>
+              <a:prstGeom prst="straightConnector1">
+                <a:avLst/>
+              </a:prstGeom>
+              <a:ln w="19050">
+                <a:solidFill>
+                  <a:schemeClr val="tx1"/>
+                </a:solidFill>
+                <a:tailEnd type="triangle" w="lg" len="med"/>
+              </a:ln>
+            </p:spPr>
+            <p:style>
+              <a:lnRef idx="1">
+                <a:schemeClr val="accent1"/>
+              </a:lnRef>
+              <a:fillRef idx="0">
+                <a:schemeClr val="accent1"/>
+              </a:fillRef>
+              <a:effectRef idx="0">
+                <a:schemeClr val="accent1"/>
+              </a:effectRef>
+              <a:fontRef idx="minor">
+                <a:schemeClr val="tx1"/>
+              </a:fontRef>
+            </p:style>
+          </p:cxnSp>
+          <p:sp>
+            <p:nvSpPr>
+              <p:cNvPr id="26" name="テキスト ボックス 25"/>
+              <p:cNvSpPr txBox="1"/>
+              <p:nvPr/>
+            </p:nvSpPr>
+            <p:spPr>
+              <a:xfrm>
+                <a:off x="3309162" y="4380108"/>
+                <a:ext cx="468086" cy="523220"/>
+              </a:xfrm>
+              <a:prstGeom prst="rect">
+                <a:avLst/>
+              </a:prstGeom>
+              <a:noFill/>
+            </p:spPr>
+            <p:txBody>
+              <a:bodyPr wrap="square" rtlCol="0">
+                <a:spAutoFit/>
+              </a:bodyPr>
+              <a:lstStyle/>
+              <a:p>
+                <a:pPr algn="ctr"/>
+                <a:r>
+                  <a:rPr kumimoji="1" lang="is-IS" altLang="ja-JP" sz="2800" dirty="0" smtClean="0"/>
+                  <a:t>…</a:t>
+                </a:r>
+                <a:endParaRPr kumimoji="1" lang="ja-JP" altLang="en-US" dirty="0"/>
+              </a:p>
+            </p:txBody>
+          </p:sp>
+          <p:sp>
+            <p:nvSpPr>
+              <p:cNvPr id="27" name="テキスト ボックス 26"/>
+              <p:cNvSpPr txBox="1"/>
+              <p:nvPr/>
+            </p:nvSpPr>
+            <p:spPr>
+              <a:xfrm>
+                <a:off x="3135946" y="1720131"/>
+                <a:ext cx="827314" cy="369332"/>
+              </a:xfrm>
+              <a:prstGeom prst="rect">
+                <a:avLst/>
+              </a:prstGeom>
+              <a:noFill/>
+            </p:spPr>
+            <p:txBody>
+              <a:bodyPr wrap="square" rtlCol="0">
+                <a:spAutoFit/>
+              </a:bodyPr>
+              <a:lstStyle/>
+              <a:p>
+                <a:r>
+                  <a:rPr lang="en-US" altLang="ja-JP" i="1" smtClean="0"/>
+                  <a:t>e</a:t>
+                </a:r>
+                <a:endParaRPr kumimoji="1" lang="ja-JP" altLang="en-US" i="1" dirty="0"/>
+              </a:p>
+            </p:txBody>
+          </p:sp>
+        </p:grpSp>
+        <p:grpSp>
+          <p:nvGrpSpPr>
+            <p:cNvPr id="2" name="図形グループ 1"/>
+            <p:cNvGrpSpPr/>
+            <p:nvPr/>
+          </p:nvGrpSpPr>
+          <p:grpSpPr>
+            <a:xfrm>
+              <a:off x="5333905" y="845540"/>
+              <a:ext cx="3075798" cy="3927160"/>
+              <a:chOff x="5821538" y="976168"/>
+              <a:chExt cx="3075798" cy="3927160"/>
+            </a:xfrm>
+          </p:grpSpPr>
+          <p:sp>
+            <p:nvSpPr>
+              <p:cNvPr id="29" name="円/楕円 28"/>
+              <p:cNvSpPr/>
+              <p:nvPr/>
+            </p:nvSpPr>
+            <p:spPr>
+              <a:xfrm rot="10800000">
+                <a:off x="7520639" y="2674981"/>
+                <a:ext cx="529535" cy="529535"/>
+              </a:xfrm>
+              <a:prstGeom prst="ellipse">
+                <a:avLst/>
+              </a:prstGeom>
+              <a:noFill/>
+              <a:ln w="19050">
+                <a:solidFill>
+                  <a:schemeClr val="tx1"/>
+                </a:solidFill>
+              </a:ln>
+            </p:spPr>
+            <p:style>
+              <a:lnRef idx="2">
+                <a:schemeClr val="accent1">
+                  <a:shade val="50000"/>
+                </a:schemeClr>
+              </a:lnRef>
+              <a:fillRef idx="1">
+                <a:schemeClr val="accent1"/>
+              </a:fillRef>
+              <a:effectRef idx="0">
+                <a:schemeClr val="accent1"/>
+              </a:effectRef>
+              <a:fontRef idx="minor">
+                <a:schemeClr val="lt1"/>
+              </a:fontRef>
+            </p:style>
+            <p:txBody>
+              <a:bodyPr rtlCol="0" anchor="ctr"/>
+              <a:lstStyle/>
+              <a:p>
+                <a:pPr algn="ctr"/>
+                <a:endParaRPr kumimoji="1" lang="ja-JP" altLang="en-US"/>
+              </a:p>
+            </p:txBody>
+          </p:sp>
+          <p:sp>
+            <p:nvSpPr>
+              <p:cNvPr id="30" name="円/楕円 29"/>
+              <p:cNvSpPr/>
+              <p:nvPr/>
+            </p:nvSpPr>
+            <p:spPr>
+              <a:xfrm rot="10800000">
+                <a:off x="8367801" y="976170"/>
+                <a:ext cx="529535" cy="529535"/>
+              </a:xfrm>
+              <a:prstGeom prst="ellipse">
+                <a:avLst/>
+              </a:prstGeom>
+              <a:noFill/>
+              <a:ln w="19050">
+                <a:solidFill>
+                  <a:schemeClr val="tx1"/>
+                </a:solidFill>
+              </a:ln>
+            </p:spPr>
+            <p:style>
+              <a:lnRef idx="2">
+                <a:schemeClr val="accent1">
+                  <a:shade val="50000"/>
+                </a:schemeClr>
+              </a:lnRef>
+              <a:fillRef idx="1">
+                <a:schemeClr val="accent1"/>
+              </a:fillRef>
+              <a:effectRef idx="0">
+                <a:schemeClr val="accent1"/>
+              </a:effectRef>
+              <a:fontRef idx="minor">
+                <a:schemeClr val="lt1"/>
+              </a:fontRef>
+            </p:style>
+            <p:txBody>
+              <a:bodyPr rtlCol="0" anchor="ctr"/>
+              <a:lstStyle/>
+              <a:p>
+                <a:pPr algn="ctr"/>
+                <a:endParaRPr kumimoji="1" lang="ja-JP" altLang="en-US"/>
+              </a:p>
+            </p:txBody>
+          </p:sp>
+          <p:sp>
+            <p:nvSpPr>
+              <p:cNvPr id="31" name="円/楕円 30"/>
+              <p:cNvSpPr/>
+              <p:nvPr/>
+            </p:nvSpPr>
+            <p:spPr>
+              <a:xfrm rot="10800000">
+                <a:off x="6673479" y="976172"/>
+                <a:ext cx="529535" cy="529535"/>
+              </a:xfrm>
+              <a:prstGeom prst="ellipse">
+                <a:avLst/>
+              </a:prstGeom>
+              <a:noFill/>
+              <a:ln w="19050">
+                <a:solidFill>
+                  <a:schemeClr val="tx1"/>
+                </a:solidFill>
+              </a:ln>
+            </p:spPr>
+            <p:style>
+              <a:lnRef idx="2">
+                <a:schemeClr val="accent1">
+                  <a:shade val="50000"/>
+                </a:schemeClr>
+              </a:lnRef>
+              <a:fillRef idx="1">
+                <a:schemeClr val="accent1"/>
+              </a:fillRef>
+              <a:effectRef idx="0">
+                <a:schemeClr val="accent1"/>
+              </a:effectRef>
+              <a:fontRef idx="minor">
+                <a:schemeClr val="lt1"/>
+              </a:fontRef>
+            </p:style>
+            <p:txBody>
+              <a:bodyPr rtlCol="0" anchor="ctr"/>
+              <a:lstStyle/>
+              <a:p>
+                <a:pPr algn="ctr"/>
+                <a:endParaRPr kumimoji="1" lang="ja-JP" altLang="en-US"/>
+              </a:p>
+            </p:txBody>
+          </p:sp>
+          <p:sp>
+            <p:nvSpPr>
+              <p:cNvPr id="32" name="円/楕円 31"/>
+              <p:cNvSpPr/>
+              <p:nvPr/>
+            </p:nvSpPr>
+            <p:spPr>
+              <a:xfrm rot="10800000">
+                <a:off x="5821538" y="976169"/>
+                <a:ext cx="529535" cy="529535"/>
+              </a:xfrm>
+              <a:prstGeom prst="ellipse">
+                <a:avLst/>
+              </a:prstGeom>
+              <a:noFill/>
+              <a:ln w="19050">
+                <a:solidFill>
+                  <a:schemeClr val="tx1"/>
+                </a:solidFill>
+              </a:ln>
+            </p:spPr>
+            <p:style>
+              <a:lnRef idx="2">
+                <a:schemeClr val="accent1">
+                  <a:shade val="50000"/>
+                </a:schemeClr>
+              </a:lnRef>
+              <a:fillRef idx="1">
+                <a:schemeClr val="accent1"/>
+              </a:fillRef>
+              <a:effectRef idx="0">
+                <a:schemeClr val="accent1"/>
+              </a:effectRef>
+              <a:fontRef idx="minor">
+                <a:schemeClr val="lt1"/>
+              </a:fontRef>
+            </p:style>
+            <p:txBody>
+              <a:bodyPr rtlCol="0" anchor="ctr"/>
+              <a:lstStyle/>
+              <a:p>
+                <a:pPr algn="ctr"/>
+                <a:endParaRPr kumimoji="1" lang="ja-JP" altLang="en-US"/>
+              </a:p>
+            </p:txBody>
+          </p:sp>
+          <p:cxnSp>
+            <p:nvCxnSpPr>
+              <p:cNvPr id="33" name="直線矢印コネクタ 32"/>
+              <p:cNvCxnSpPr>
+                <a:endCxn id="31" idx="1"/>
+              </p:cNvCxnSpPr>
+              <p:nvPr/>
+            </p:nvCxnSpPr>
+            <p:spPr>
+              <a:xfrm flipH="1" flipV="1">
+                <a:off x="7125465" y="1428158"/>
+                <a:ext cx="544063" cy="1275442"/>
+              </a:xfrm>
+              <a:prstGeom prst="straightConnector1">
+                <a:avLst/>
+              </a:prstGeom>
+              <a:ln w="19050">
+                <a:solidFill>
+                  <a:schemeClr val="tx1"/>
+                </a:solidFill>
+                <a:headEnd type="triangle" w="lg" len="med"/>
+                <a:tailEnd type="none" w="lg" len="med"/>
+              </a:ln>
+            </p:spPr>
+            <p:style>
+              <a:lnRef idx="1">
+                <a:schemeClr val="accent1"/>
+              </a:lnRef>
+              <a:fillRef idx="0">
+                <a:schemeClr val="accent1"/>
+              </a:fillRef>
+              <a:effectRef idx="0">
+                <a:schemeClr val="accent1"/>
+              </a:effectRef>
+              <a:fontRef idx="minor">
+                <a:schemeClr val="tx1"/>
+              </a:fontRef>
+            </p:style>
+          </p:cxnSp>
+          <p:cxnSp>
+            <p:nvCxnSpPr>
+              <p:cNvPr id="34" name="直線矢印コネクタ 33"/>
+              <p:cNvCxnSpPr>
+                <a:stCxn id="30" idx="4"/>
+                <a:endCxn id="31" idx="0"/>
+              </p:cNvCxnSpPr>
+              <p:nvPr/>
+            </p:nvCxnSpPr>
+            <p:spPr>
+              <a:xfrm rot="10800000" flipH="1">
+                <a:off x="7782469" y="3204516"/>
+                <a:ext cx="2937" cy="1169277"/>
+              </a:xfrm>
+              <a:prstGeom prst="straightConnector1">
+                <a:avLst/>
+              </a:prstGeom>
+              <a:ln w="19050">
+                <a:solidFill>
+                  <a:schemeClr val="tx1"/>
+                </a:solidFill>
+                <a:headEnd type="triangle" w="lg" len="med"/>
+                <a:tailEnd type="none" w="lg" len="med"/>
+              </a:ln>
+            </p:spPr>
+            <p:style>
+              <a:lnRef idx="1">
+                <a:schemeClr val="accent1"/>
+              </a:lnRef>
+              <a:fillRef idx="0">
+                <a:schemeClr val="accent1"/>
+              </a:fillRef>
+              <a:effectRef idx="0">
+                <a:schemeClr val="accent1"/>
+              </a:effectRef>
+              <a:fontRef idx="minor">
+                <a:schemeClr val="tx1"/>
+              </a:fontRef>
+            </p:style>
+          </p:cxnSp>
+          <p:cxnSp>
+            <p:nvCxnSpPr>
+              <p:cNvPr id="35" name="直線矢印コネクタ 34"/>
+              <p:cNvCxnSpPr>
+                <a:stCxn id="29" idx="5"/>
+                <a:endCxn id="32" idx="1"/>
+              </p:cNvCxnSpPr>
+              <p:nvPr/>
+            </p:nvCxnSpPr>
+            <p:spPr>
+              <a:xfrm flipH="1" flipV="1">
+                <a:off x="6273524" y="1428155"/>
+                <a:ext cx="1324664" cy="1324375"/>
+              </a:xfrm>
+              <a:prstGeom prst="straightConnector1">
+                <a:avLst/>
+              </a:prstGeom>
+              <a:ln w="19050">
+                <a:solidFill>
+                  <a:schemeClr val="tx1"/>
+                </a:solidFill>
+                <a:headEnd type="triangle" w="lg" len="med"/>
+                <a:tailEnd type="none" w="lg" len="med"/>
+              </a:ln>
+            </p:spPr>
+            <p:style>
+              <a:lnRef idx="1">
+                <a:schemeClr val="accent1"/>
+              </a:lnRef>
+              <a:fillRef idx="0">
+                <a:schemeClr val="accent1"/>
+              </a:fillRef>
+              <a:effectRef idx="0">
+                <a:schemeClr val="accent1"/>
+              </a:effectRef>
+              <a:fontRef idx="minor">
+                <a:schemeClr val="tx1"/>
+              </a:fontRef>
+            </p:style>
+          </p:cxnSp>
+          <p:sp>
+            <p:nvSpPr>
+              <p:cNvPr id="37" name="テキスト ボックス 36"/>
+              <p:cNvSpPr txBox="1"/>
+              <p:nvPr/>
+            </p:nvSpPr>
+            <p:spPr>
+              <a:xfrm rot="10800000">
+                <a:off x="7478067" y="976168"/>
+                <a:ext cx="468086" cy="523220"/>
+              </a:xfrm>
+              <a:prstGeom prst="rect">
+                <a:avLst/>
+              </a:prstGeom>
+              <a:noFill/>
+            </p:spPr>
+            <p:txBody>
+              <a:bodyPr wrap="square" rtlCol="0">
+                <a:spAutoFit/>
+              </a:bodyPr>
+              <a:lstStyle/>
+              <a:p>
+                <a:pPr algn="ctr"/>
+                <a:r>
+                  <a:rPr kumimoji="1" lang="is-IS" altLang="ja-JP" sz="2800" dirty="0" smtClean="0"/>
+                  <a:t>…</a:t>
+                </a:r>
+                <a:endParaRPr kumimoji="1" lang="ja-JP" altLang="en-US" dirty="0"/>
+              </a:p>
+            </p:txBody>
+          </p:sp>
+          <p:sp>
+            <p:nvSpPr>
+              <p:cNvPr id="38" name="テキスト ボックス 37"/>
+              <p:cNvSpPr txBox="1"/>
+              <p:nvPr/>
+            </p:nvSpPr>
+            <p:spPr>
+              <a:xfrm>
+                <a:off x="7381673" y="3467827"/>
+                <a:ext cx="827314" cy="369332"/>
+              </a:xfrm>
+              <a:prstGeom prst="rect">
+                <a:avLst/>
+              </a:prstGeom>
+              <a:noFill/>
+            </p:spPr>
+            <p:txBody>
+              <a:bodyPr wrap="square" rtlCol="0">
+                <a:spAutoFit/>
+              </a:bodyPr>
+              <a:lstStyle/>
+              <a:p>
+                <a:r>
+                  <a:rPr lang="en-US" altLang="ja-JP" i="1"/>
+                  <a:t>e</a:t>
+                </a:r>
+                <a:endParaRPr kumimoji="1" lang="ja-JP" altLang="en-US" i="1" dirty="0"/>
+              </a:p>
+            </p:txBody>
+          </p:sp>
+          <p:cxnSp>
+            <p:nvCxnSpPr>
+              <p:cNvPr id="332" name="直線矢印コネクタ 331"/>
+              <p:cNvCxnSpPr>
+                <a:stCxn id="29" idx="3"/>
+                <a:endCxn id="30" idx="7"/>
+              </p:cNvCxnSpPr>
+              <p:nvPr/>
+            </p:nvCxnSpPr>
+            <p:spPr>
+              <a:xfrm flipV="1">
+                <a:off x="7972625" y="1428156"/>
+                <a:ext cx="472725" cy="1324374"/>
+              </a:xfrm>
+              <a:prstGeom prst="straightConnector1">
+                <a:avLst/>
+              </a:prstGeom>
+              <a:ln w="19050">
+                <a:solidFill>
+                  <a:schemeClr val="tx1"/>
+                </a:solidFill>
+                <a:headEnd type="triangle" w="lg" len="med"/>
+                <a:tailEnd type="none" w="lg" len="med"/>
+              </a:ln>
+            </p:spPr>
+            <p:style>
+              <a:lnRef idx="1">
+                <a:schemeClr val="accent1"/>
+              </a:lnRef>
+              <a:fillRef idx="0">
+                <a:schemeClr val="accent1"/>
+              </a:fillRef>
+              <a:effectRef idx="0">
+                <a:schemeClr val="accent1"/>
+              </a:effectRef>
+              <a:fontRef idx="minor">
+                <a:schemeClr val="tx1"/>
+              </a:fontRef>
+            </p:style>
+          </p:cxnSp>
+          <p:sp>
+            <p:nvSpPr>
+              <p:cNvPr id="24" name="円/楕円 23"/>
+              <p:cNvSpPr/>
+              <p:nvPr/>
+            </p:nvSpPr>
+            <p:spPr>
+              <a:xfrm>
+                <a:off x="7530562" y="4373793"/>
+                <a:ext cx="529535" cy="529535"/>
+              </a:xfrm>
+              <a:prstGeom prst="ellipse">
+                <a:avLst/>
+              </a:prstGeom>
+              <a:noFill/>
+              <a:ln w="19050">
+                <a:solidFill>
+                  <a:schemeClr val="tx1"/>
+                </a:solidFill>
+              </a:ln>
+            </p:spPr>
+            <p:style>
+              <a:lnRef idx="2">
+                <a:schemeClr val="accent1">
+                  <a:shade val="50000"/>
+                </a:schemeClr>
+              </a:lnRef>
+              <a:fillRef idx="1">
+                <a:schemeClr val="accent1"/>
+              </a:fillRef>
+              <a:effectRef idx="0">
+                <a:schemeClr val="accent1"/>
+              </a:effectRef>
+              <a:fontRef idx="minor">
+                <a:schemeClr val="lt1"/>
+              </a:fontRef>
+            </p:style>
+            <p:txBody>
+              <a:bodyPr rtlCol="0" anchor="ctr"/>
+              <a:lstStyle/>
+              <a:p>
+                <a:pPr algn="ctr"/>
+                <a:r>
+                  <a:rPr lang="en-US" altLang="ja-JP" sz="2800" i="1" dirty="0">
+                    <a:solidFill>
+                      <a:schemeClr val="tx1"/>
+                    </a:solidFill>
+                  </a:rPr>
+                  <a:t>g</a:t>
+                </a:r>
+                <a:endParaRPr kumimoji="1" lang="ja-JP" altLang="en-US" sz="2800" i="1" dirty="0">
+                  <a:solidFill>
+                    <a:schemeClr val="tx1"/>
+                  </a:solidFill>
+                </a:endParaRPr>
+              </a:p>
+            </p:txBody>
+          </p:sp>
+        </p:grpSp>
+      </p:grpSp>
     </p:spTree>
     <p:extLst>
       <p:ext uri="{BB962C8B-B14F-4D97-AF65-F5344CB8AC3E}">
